--- a/Session_2/Introduction_to_Terraform.pptx
+++ b/Session_2/Introduction_to_Terraform.pptx
@@ -255,7 +255,7 @@
             <a:fld id="{A6DA2F18-A48D-4F4E-9713-3765A785EE1B}" type="datetimeFigureOut">
               <a:rPr lang="en-US" smtClean="0"/>
               <a:pPr/>
-              <a:t>4/23/2017</a:t>
+              <a:t>4/28/2017</a:t>
             </a:fld>
             <a:endParaRPr lang="en-US"/>
           </a:p>
@@ -570,7 +570,7 @@
             <a:fld id="{A6DA2F18-A48D-4F4E-9713-3765A785EE1B}" type="datetimeFigureOut">
               <a:rPr lang="en-US" smtClean="0"/>
               <a:pPr/>
-              <a:t>4/23/2017</a:t>
+              <a:t>4/28/2017</a:t>
             </a:fld>
             <a:endParaRPr lang="en-US"/>
           </a:p>
@@ -757,7 +757,7 @@
             <a:fld id="{A6DA2F18-A48D-4F4E-9713-3765A785EE1B}" type="datetimeFigureOut">
               <a:rPr lang="en-US" smtClean="0"/>
               <a:pPr/>
-              <a:t>4/23/2017</a:t>
+              <a:t>4/28/2017</a:t>
             </a:fld>
             <a:endParaRPr lang="en-US"/>
           </a:p>
@@ -934,7 +934,7 @@
             <a:fld id="{A6DA2F18-A48D-4F4E-9713-3765A785EE1B}" type="datetimeFigureOut">
               <a:rPr lang="en-US" smtClean="0"/>
               <a:pPr/>
-              <a:t>4/23/2017</a:t>
+              <a:t>4/28/2017</a:t>
             </a:fld>
             <a:endParaRPr lang="en-US"/>
           </a:p>
@@ -1204,7 +1204,7 @@
             <a:fld id="{A6DA2F18-A48D-4F4E-9713-3765A785EE1B}" type="datetimeFigureOut">
               <a:rPr lang="en-US" smtClean="0"/>
               <a:pPr/>
-              <a:t>4/23/2017</a:t>
+              <a:t>4/28/2017</a:t>
             </a:fld>
             <a:endParaRPr lang="en-US"/>
           </a:p>
@@ -1674,7 +1674,7 @@
             <a:fld id="{A6DA2F18-A48D-4F4E-9713-3765A785EE1B}" type="datetimeFigureOut">
               <a:rPr lang="en-US" smtClean="0"/>
               <a:pPr/>
-              <a:t>4/23/2017</a:t>
+              <a:t>4/28/2017</a:t>
             </a:fld>
             <a:endParaRPr lang="en-US"/>
           </a:p>
@@ -2165,7 +2165,7 @@
             <a:fld id="{A6DA2F18-A48D-4F4E-9713-3765A785EE1B}" type="datetimeFigureOut">
               <a:rPr lang="en-US" smtClean="0"/>
               <a:pPr/>
-              <a:t>4/23/2017</a:t>
+              <a:t>4/28/2017</a:t>
             </a:fld>
             <a:endParaRPr lang="en-US"/>
           </a:p>
@@ -2293,7 +2293,7 @@
             <a:fld id="{A6DA2F18-A48D-4F4E-9713-3765A785EE1B}" type="datetimeFigureOut">
               <a:rPr lang="en-US" smtClean="0"/>
               <a:pPr/>
-              <a:t>4/23/2017</a:t>
+              <a:t>4/28/2017</a:t>
             </a:fld>
             <a:endParaRPr lang="en-US"/>
           </a:p>
@@ -2439,7 +2439,7 @@
             <a:fld id="{A6DA2F18-A48D-4F4E-9713-3765A785EE1B}" type="datetimeFigureOut">
               <a:rPr lang="en-US" smtClean="0"/>
               <a:pPr/>
-              <a:t>4/23/2017</a:t>
+              <a:t>4/28/2017</a:t>
             </a:fld>
             <a:endParaRPr lang="en-US"/>
           </a:p>
@@ -2763,7 +2763,7 @@
             <a:fld id="{A6DA2F18-A48D-4F4E-9713-3765A785EE1B}" type="datetimeFigureOut">
               <a:rPr lang="en-US" smtClean="0"/>
               <a:pPr/>
-              <a:t>4/23/2017</a:t>
+              <a:t>4/28/2017</a:t>
             </a:fld>
             <a:endParaRPr lang="en-US"/>
           </a:p>
@@ -2899,7 +2899,7 @@
             <a:fld id="{A6DA2F18-A48D-4F4E-9713-3765A785EE1B}" type="datetimeFigureOut">
               <a:rPr lang="en-US" smtClean="0"/>
               <a:pPr/>
-              <a:t>4/23/2017</a:t>
+              <a:t>4/28/2017</a:t>
             </a:fld>
             <a:endParaRPr lang="en-US"/>
           </a:p>
@@ -3682,7 +3682,7 @@
             <a:fld id="{A6DA2F18-A48D-4F4E-9713-3765A785EE1B}" type="datetimeFigureOut">
               <a:rPr lang="en-US" smtClean="0"/>
               <a:pPr/>
-              <a:t>4/23/2017</a:t>
+              <a:t>4/28/2017</a:t>
             </a:fld>
             <a:endParaRPr lang="en-US"/>
           </a:p>
@@ -4203,11 +4203,7 @@
           <a:p>
             <a:r>
               <a:rPr lang="en-US" sz="4800" dirty="0" smtClean="0"/>
-              <a:t>Introduction to </a:t>
-            </a:r>
-            <a:r>
-              <a:rPr lang="en-US" sz="4800" dirty="0" smtClean="0"/>
-              <a:t>Terraform101</a:t>
+              <a:t>Introduction to Terraform101</a:t>
             </a:r>
             <a:endParaRPr lang="en-US" sz="4800" dirty="0"/>
           </a:p>
@@ -4324,11 +4320,7 @@
             <a:pPr marL="342900" indent="-342900"/>
             <a:r>
               <a:rPr lang="en-US" dirty="0" smtClean="0"/>
-              <a:t>	</a:t>
-            </a:r>
-            <a:r>
-              <a:rPr lang="en-US" dirty="0" smtClean="0"/>
-              <a:t>- contains the variables used with their default values</a:t>
+              <a:t>	- contains the variables used with their default values</a:t>
             </a:r>
           </a:p>
           <a:p>
@@ -4350,11 +4342,7 @@
             <a:pPr marL="342900" indent="-342900"/>
             <a:r>
               <a:rPr lang="en-US" dirty="0" smtClean="0"/>
-              <a:t>	</a:t>
-            </a:r>
-            <a:r>
-              <a:rPr lang="en-US" dirty="0" smtClean="0"/>
-              <a:t>- A file used for passing variable values.</a:t>
+              <a:t>	- A file used for passing variable values.</a:t>
             </a:r>
           </a:p>
           <a:p>
@@ -4776,15 +4764,7 @@
           <a:p>
             <a:r>
               <a:rPr lang="en-US" dirty="0" smtClean="0"/>
-              <a:t>Resources </a:t>
-            </a:r>
-            <a:r>
-              <a:rPr lang="en-US" dirty="0" smtClean="0"/>
-              <a:t>are the basic building blocks of a Terraform configuration. When you define a configuration, you are defining one or more (typically more) resources. Resources are </a:t>
-            </a:r>
-            <a:r>
-              <a:rPr lang="en-US" dirty="0" smtClean="0"/>
-              <a:t>provider-specific.</a:t>
+              <a:t>Resources are the basic building blocks of a Terraform configuration. When you define a configuration, you are defining one or more (typically more) resources. Resources are provider-specific.</a:t>
             </a:r>
           </a:p>
           <a:p>
@@ -4881,19 +4861,7 @@
             </a:pPr>
             <a:r>
               <a:rPr lang="en-US" dirty="0" smtClean="0"/>
-              <a:t> </a:t>
-            </a:r>
-            <a:r>
-              <a:rPr lang="en-US" dirty="0" smtClean="0"/>
-              <a:t> </a:t>
-            </a:r>
-            <a:r>
-              <a:rPr lang="en-US" dirty="0" smtClean="0"/>
-              <a:t>Introduction </a:t>
-            </a:r>
-            <a:r>
-              <a:rPr lang="en-US" dirty="0" smtClean="0"/>
-              <a:t>Terraform.</a:t>
+              <a:t>  Introduction Terraform.</a:t>
             </a:r>
           </a:p>
           <a:p>
@@ -4903,11 +4871,7 @@
             </a:pPr>
             <a:r>
               <a:rPr lang="en-US" dirty="0" smtClean="0"/>
-              <a:t> </a:t>
-            </a:r>
-            <a:r>
-              <a:rPr lang="en-US" dirty="0" smtClean="0"/>
-              <a:t> Why Terraform.</a:t>
+              <a:t>  Why Terraform.</a:t>
             </a:r>
           </a:p>
           <a:p>
@@ -4917,11 +4881,7 @@
             </a:pPr>
             <a:r>
               <a:rPr lang="en-US" dirty="0" smtClean="0"/>
-              <a:t> </a:t>
-            </a:r>
-            <a:r>
-              <a:rPr lang="en-US" dirty="0" smtClean="0"/>
-              <a:t> Basic commands</a:t>
+              <a:t>  Basic commands</a:t>
             </a:r>
           </a:p>
           <a:p>
@@ -4931,13 +4891,8 @@
             </a:pPr>
             <a:r>
               <a:rPr lang="en-US" dirty="0" smtClean="0"/>
-              <a:t> </a:t>
-            </a:r>
-            <a:r>
-              <a:rPr lang="en-US" dirty="0" smtClean="0"/>
-              <a:t> Simple example.</a:t>
-            </a:r>
-            <a:endParaRPr lang="en-US" dirty="0" smtClean="0"/>
+              <a:t>  Simple example.</a:t>
+            </a:r>
           </a:p>
         </p:txBody>
       </p:sp>
@@ -4995,13 +4950,8 @@
           <a:p>
             <a:r>
               <a:rPr lang="en-US" dirty="0" smtClean="0"/>
-              <a:t>Create free tier account on </a:t>
-            </a:r>
-            <a:r>
-              <a:rPr lang="en-US" dirty="0" smtClean="0"/>
-              <a:t>AWS (Use if you already have)</a:t>
-            </a:r>
-            <a:endParaRPr lang="en-US" dirty="0" smtClean="0"/>
+              <a:t>Create free tier account on AWS (Use if you already have)</a:t>
+            </a:r>
           </a:p>
           <a:p>
             <a:r>
@@ -5023,13 +4973,8 @@
             </a:pPr>
             <a:r>
               <a:rPr lang="en-US" dirty="0" smtClean="0"/>
-              <a:t> </a:t>
-            </a:r>
-            <a:r>
-              <a:rPr lang="en-US" dirty="0" smtClean="0"/>
-              <a:t> Create simple bucket with terraform.</a:t>
-            </a:r>
-            <a:endParaRPr lang="en-US" dirty="0" smtClean="0"/>
+              <a:t>  Create simple bucket with terraform.</a:t>
+            </a:r>
           </a:p>
           <a:p>
             <a:pPr>
@@ -5042,11 +4987,7 @@
             </a:r>
             <a:r>
               <a:rPr lang="en-US" dirty="0" smtClean="0"/>
-              <a:t> </a:t>
-            </a:r>
-            <a:r>
-              <a:rPr lang="en-US" dirty="0" smtClean="0"/>
-              <a:t>Update tags.</a:t>
+              <a:t> Update tags.</a:t>
             </a:r>
           </a:p>
           <a:p>
@@ -5056,13 +4997,8 @@
             </a:pPr>
             <a:r>
               <a:rPr lang="en-US" dirty="0" smtClean="0"/>
-              <a:t> </a:t>
-            </a:r>
-            <a:r>
-              <a:rPr lang="en-US" dirty="0" smtClean="0"/>
-              <a:t> Enable versioning.</a:t>
-            </a:r>
-            <a:endParaRPr lang="en-US" dirty="0" smtClean="0"/>
+              <a:t>  Enable versioning.</a:t>
+            </a:r>
           </a:p>
           <a:p>
             <a:pPr>
@@ -5129,24 +5065,8 @@
           <a:lstStyle/>
           <a:p>
             <a:r>
-              <a:rPr lang="en-US" sz="6600" dirty="0" smtClean="0"/>
-              <a:t> </a:t>
-            </a:r>
-            <a:r>
-              <a:rPr lang="en-US" sz="6600" dirty="0" err="1" smtClean="0"/>
-              <a:t>Koi</a:t>
-            </a:r>
-            <a:r>
-              <a:rPr lang="en-US" sz="6600" dirty="0" smtClean="0"/>
-              <a:t> </a:t>
-            </a:r>
-            <a:r>
-              <a:rPr lang="en-US" sz="6600" dirty="0" err="1" smtClean="0"/>
-              <a:t>Shak</a:t>
-            </a:r>
-            <a:r>
-              <a:rPr lang="en-US" sz="6600" dirty="0" smtClean="0"/>
-              <a:t> ??? </a:t>
+              <a:rPr lang="en-US" sz="6600" smtClean="0"/>
+              <a:t>       ??? </a:t>
             </a:r>
             <a:endParaRPr lang="en-US" sz="6600" dirty="0"/>
           </a:p>
@@ -5482,29 +5402,13 @@
           <a:p>
             <a:r>
               <a:rPr lang="en-US" dirty="0" smtClean="0"/>
-              <a:t> -  Understand what </a:t>
-            </a:r>
-            <a:r>
-              <a:rPr lang="en-US" dirty="0" smtClean="0"/>
-              <a:t>Terraform </a:t>
-            </a:r>
-            <a:r>
-              <a:rPr lang="en-US" dirty="0" smtClean="0"/>
-              <a:t>is</a:t>
-            </a:r>
-            <a:r>
-              <a:rPr lang="en-US" dirty="0" smtClean="0"/>
-              <a:t>.</a:t>
-            </a:r>
-          </a:p>
-          <a:p>
-            <a:r>
-              <a:rPr lang="en-US" dirty="0" smtClean="0"/>
-              <a:t> </a:t>
-            </a:r>
-            <a:r>
-              <a:rPr lang="en-US" dirty="0" smtClean="0"/>
-              <a:t>-   Why its used.</a:t>
+              <a:t> -  Understand what Terraform is.</a:t>
+            </a:r>
+          </a:p>
+          <a:p>
+            <a:r>
+              <a:rPr lang="en-US" dirty="0" smtClean="0"/>
+              <a:t> -   Why its used.</a:t>
             </a:r>
           </a:p>
           <a:p>
@@ -5516,31 +5420,19 @@
           <a:p>
             <a:r>
               <a:rPr lang="en-US" dirty="0" smtClean="0"/>
-              <a:t> </a:t>
-            </a:r>
-            <a:r>
-              <a:rPr lang="en-US" dirty="0" smtClean="0"/>
-              <a:t>-   Installation.</a:t>
-            </a:r>
-          </a:p>
-          <a:p>
-            <a:r>
-              <a:rPr lang="en-US" dirty="0" smtClean="0"/>
-              <a:t> </a:t>
-            </a:r>
-            <a:r>
-              <a:rPr lang="en-US" dirty="0" smtClean="0"/>
-              <a:t>-   Terraform basic commands</a:t>
-            </a:r>
-          </a:p>
-          <a:p>
-            <a:r>
-              <a:rPr lang="en-US" dirty="0" smtClean="0"/>
-              <a:t> </a:t>
-            </a:r>
-            <a:r>
-              <a:rPr lang="en-US" dirty="0" smtClean="0"/>
-              <a:t>-   State file</a:t>
+              <a:t> -   Installation.</a:t>
+            </a:r>
+          </a:p>
+          <a:p>
+            <a:r>
+              <a:rPr lang="en-US" dirty="0" smtClean="0"/>
+              <a:t> -   Terraform basic commands</a:t>
+            </a:r>
+          </a:p>
+          <a:p>
+            <a:r>
+              <a:rPr lang="en-US" dirty="0" smtClean="0"/>
+              <a:t> -   State file</a:t>
             </a:r>
           </a:p>
           <a:p>
@@ -5607,11 +5499,7 @@
           <a:p>
             <a:r>
               <a:rPr lang="en-US" sz="3600" dirty="0" smtClean="0"/>
-              <a:t>What is </a:t>
-            </a:r>
-            <a:r>
-              <a:rPr lang="en-US" sz="3600" dirty="0" smtClean="0"/>
-              <a:t>Terraform?</a:t>
+              <a:t>What is Terraform?</a:t>
             </a:r>
             <a:endParaRPr lang="en-US" sz="3600" dirty="0"/>
           </a:p>
@@ -5641,11 +5529,7 @@
           <a:p>
             <a:r>
               <a:rPr lang="en-US" sz="2000" dirty="0" smtClean="0"/>
-              <a:t>Terraform is a tool for building, changing, and versioning infrastructure safely and efficiently. </a:t>
-            </a:r>
-            <a:r>
-              <a:rPr lang="en-US" sz="2000" dirty="0" smtClean="0"/>
-              <a:t> Terraform is cloud agnostic.</a:t>
+              <a:t>Terraform is a tool for building, changing, and versioning infrastructure safely and efficiently.  Terraform is cloud agnostic.</a:t>
             </a:r>
             <a:endParaRPr lang="en-US" sz="2000" dirty="0"/>
           </a:p>
@@ -5679,11 +5563,7 @@
             </a:pPr>
             <a:r>
               <a:rPr lang="en-US" dirty="0" smtClean="0"/>
-              <a:t>Manages low-level </a:t>
-            </a:r>
-            <a:r>
-              <a:rPr lang="en-US" dirty="0" smtClean="0"/>
-              <a:t>components such as compute instances, storage, and networking, as well as high-level components such as DNS entries, </a:t>
+              <a:t>Manages low-level components such as compute instances, storage, and networking, as well as high-level components such as DNS entries, </a:t>
             </a:r>
             <a:r>
               <a:rPr lang="en-US" dirty="0" err="1" smtClean="0"/>
@@ -5691,11 +5571,7 @@
             </a:r>
             <a:r>
               <a:rPr lang="en-US" dirty="0" smtClean="0"/>
-              <a:t> features, etc</a:t>
-            </a:r>
-            <a:r>
-              <a:rPr lang="en-US" dirty="0" smtClean="0"/>
-              <a:t>.</a:t>
+              <a:t> features, etc.</a:t>
             </a:r>
           </a:p>
           <a:p>
@@ -5746,27 +5622,14 @@
             </a:pPr>
             <a:r>
               <a:rPr lang="en-US" dirty="0" smtClean="0"/>
-              <a:t> Infrastructure </a:t>
-            </a:r>
-            <a:r>
-              <a:rPr lang="en-US" dirty="0" smtClean="0"/>
-              <a:t>as </a:t>
-            </a:r>
-            <a:r>
-              <a:rPr lang="en-US" dirty="0" smtClean="0"/>
-              <a:t>Code</a:t>
-            </a:r>
-          </a:p>
-          <a:p>
-            <a:r>
-              <a:rPr lang="en-US" dirty="0" smtClean="0"/>
-              <a:t>	</a:t>
-            </a:r>
-            <a:r>
-              <a:rPr lang="en-US" dirty="0" smtClean="0"/>
-              <a:t>- Blueprint of your datacenter through simple JSON files. </a:t>
-            </a:r>
-            <a:endParaRPr lang="en-US" dirty="0" smtClean="0"/>
+              <a:t> Infrastructure as Code</a:t>
+            </a:r>
+          </a:p>
+          <a:p>
+            <a:r>
+              <a:rPr lang="en-US" dirty="0" smtClean="0"/>
+              <a:t>	- Blueprint of your datacenter through simple JSON files. </a:t>
+            </a:r>
           </a:p>
           <a:p>
             <a:pPr>
@@ -5781,11 +5644,7 @@
           <a:p>
             <a:r>
               <a:rPr lang="en-US" dirty="0" smtClean="0"/>
-              <a:t>	</a:t>
-            </a:r>
-            <a:r>
-              <a:rPr lang="en-US" dirty="0" smtClean="0"/>
-              <a:t>- Gives clarity.</a:t>
+              <a:t>	- Gives clarity.</a:t>
             </a:r>
           </a:p>
           <a:p>
@@ -5801,17 +5660,8 @@
           <a:p>
             <a:r>
               <a:rPr lang="en-US" dirty="0" smtClean="0"/>
-              <a:t>	</a:t>
-            </a:r>
-            <a:r>
-              <a:rPr lang="en-US" dirty="0" smtClean="0"/>
-              <a:t>- </a:t>
-            </a:r>
-            <a:r>
-              <a:rPr lang="en-US" dirty="0" smtClean="0"/>
-              <a:t>Efficiently builds non-dependant resources</a:t>
-            </a:r>
-            <a:endParaRPr lang="en-US" dirty="0" smtClean="0"/>
+              <a:t>	- Efficiently builds non-dependant resources</a:t>
+            </a:r>
           </a:p>
           <a:p>
             <a:pPr>
@@ -5820,13 +5670,8 @@
             </a:pPr>
             <a:r>
               <a:rPr lang="en-US" dirty="0" smtClean="0"/>
-              <a:t> Change </a:t>
-            </a:r>
-            <a:r>
-              <a:rPr lang="en-US" dirty="0" smtClean="0"/>
-              <a:t>automation</a:t>
-            </a:r>
-            <a:endParaRPr lang="en-US" dirty="0" smtClean="0"/>
+              <a:t> Change automation</a:t>
+            </a:r>
           </a:p>
           <a:p>
             <a:pPr lvl="2">
@@ -5936,19 +5781,7 @@
             </a:pPr>
             <a:r>
               <a:rPr lang="en-US" dirty="0" smtClean="0"/>
-              <a:t> </a:t>
-            </a:r>
-            <a:r>
-              <a:rPr lang="en-US" dirty="0" smtClean="0"/>
-              <a:t>Declarative </a:t>
-            </a:r>
-            <a:r>
-              <a:rPr lang="en-US" dirty="0" smtClean="0"/>
-              <a:t>configuration files that can be shared amongst team members, treated as code, edited, reviewed, and versioned</a:t>
-            </a:r>
-            <a:r>
-              <a:rPr lang="en-US" dirty="0" smtClean="0"/>
-              <a:t>.</a:t>
+              <a:t> Declarative configuration files that can be shared amongst team members, treated as code, edited, reviewed, and versioned.</a:t>
             </a:r>
           </a:p>
           <a:p>
@@ -5958,11 +5791,7 @@
             </a:pPr>
             <a:r>
               <a:rPr lang="en-US" dirty="0" smtClean="0"/>
-              <a:t> </a:t>
-            </a:r>
-            <a:r>
-              <a:rPr lang="en-US" dirty="0" smtClean="0"/>
-              <a:t>Cloud agnostic</a:t>
+              <a:t> Cloud agnostic</a:t>
             </a:r>
           </a:p>
           <a:p>
@@ -5972,11 +5801,7 @@
             </a:pPr>
             <a:r>
               <a:rPr lang="en-US" dirty="0" smtClean="0"/>
-              <a:t> </a:t>
-            </a:r>
-            <a:r>
-              <a:rPr lang="en-US" dirty="0" smtClean="0"/>
-              <a:t> Workflows across multiple cloud providers.</a:t>
+              <a:t>  Workflows across multiple cloud providers.</a:t>
             </a:r>
           </a:p>
           <a:p>
@@ -5986,21 +5811,13 @@
             </a:pPr>
             <a:r>
               <a:rPr lang="en-US" dirty="0" smtClean="0"/>
-              <a:t> </a:t>
-            </a:r>
-            <a:r>
-              <a:rPr lang="en-US" dirty="0" smtClean="0"/>
-              <a:t>Reusable</a:t>
-            </a:r>
-          </a:p>
-          <a:p>
-            <a:r>
-              <a:rPr lang="en-US" dirty="0" smtClean="0"/>
-              <a:t>	</a:t>
-            </a:r>
-            <a:r>
-              <a:rPr lang="en-US" dirty="0" smtClean="0"/>
-              <a:t>- Use same configuration to create multiple identical environments.</a:t>
+              <a:t> Reusable</a:t>
+            </a:r>
+          </a:p>
+          <a:p>
+            <a:r>
+              <a:rPr lang="en-US" dirty="0" smtClean="0"/>
+              <a:t>	- Use same configuration to create multiple identical environments.</a:t>
             </a:r>
           </a:p>
           <a:p>
@@ -6010,11 +5827,7 @@
             </a:pPr>
             <a:r>
               <a:rPr lang="en-US" dirty="0" smtClean="0"/>
-              <a:t> </a:t>
-            </a:r>
-            <a:r>
-              <a:rPr lang="en-US" dirty="0" smtClean="0"/>
-              <a:t>Rising </a:t>
+              <a:t> Rising </a:t>
             </a:r>
             <a:r>
               <a:rPr lang="en-US" dirty="0" err="1" smtClean="0"/>
@@ -6028,21 +5841,13 @@
           <a:p>
             <a:r>
               <a:rPr lang="en-US" dirty="0" smtClean="0"/>
-              <a:t>	</a:t>
-            </a:r>
-            <a:r>
-              <a:rPr lang="en-US" dirty="0" smtClean="0"/>
-              <a:t>- Cut down manual releases.</a:t>
-            </a:r>
-          </a:p>
-          <a:p>
-            <a:r>
-              <a:rPr lang="en-US" dirty="0" smtClean="0"/>
-              <a:t>	</a:t>
-            </a:r>
-            <a:r>
-              <a:rPr lang="en-US" dirty="0" smtClean="0"/>
-              <a:t>- Increase time to market.</a:t>
+              <a:t>	- Cut down manual releases.</a:t>
+            </a:r>
+          </a:p>
+          <a:p>
+            <a:r>
+              <a:rPr lang="en-US" dirty="0" smtClean="0"/>
+              <a:t>	- Increase time to market.</a:t>
             </a:r>
           </a:p>
           <a:p>
@@ -6052,13 +5857,8 @@
             </a:pPr>
             <a:r>
               <a:rPr lang="en-US" dirty="0" smtClean="0"/>
-              <a:t> </a:t>
-            </a:r>
-            <a:r>
-              <a:rPr lang="en-US" dirty="0" smtClean="0"/>
-              <a:t>Best suited for immutable infrastructure and its provisioning. </a:t>
-            </a:r>
-            <a:endParaRPr lang="en-US" dirty="0" smtClean="0"/>
+              <a:t> Best suited for immutable infrastructure and its provisioning. </a:t>
+            </a:r>
           </a:p>
           <a:p>
             <a:endParaRPr lang="en-US" sz="2000" dirty="0"/>
@@ -6420,11 +6220,7 @@
             </a:pPr>
             <a:r>
               <a:rPr lang="en-US" sz="2000" dirty="0" smtClean="0"/>
-              <a:t> </a:t>
-            </a:r>
-            <a:r>
-              <a:rPr lang="en-US" sz="2000" dirty="0" smtClean="0"/>
-              <a:t>A binary package with single exe.</a:t>
+              <a:t> A binary package with single exe.</a:t>
             </a:r>
           </a:p>
           <a:p>
@@ -6434,33 +6230,19 @@
             </a:pPr>
             <a:r>
               <a:rPr lang="en-US" sz="2000" dirty="0" smtClean="0"/>
-              <a:t> </a:t>
-            </a:r>
+              <a:t> Installation direction :</a:t>
+            </a:r>
+          </a:p>
+          <a:p>
             <a:r>
               <a:rPr lang="en-US" sz="2000" dirty="0" smtClean="0"/>
-              <a:t>Installation direction :</a:t>
-            </a:r>
-          </a:p>
-          <a:p>
-            <a:r>
-              <a:rPr lang="en-US" sz="2000" dirty="0" smtClean="0"/>
-              <a:t> </a:t>
-            </a:r>
-            <a:r>
-              <a:rPr lang="en-US" sz="2000" dirty="0" smtClean="0"/>
-              <a:t> </a:t>
+              <a:t>  </a:t>
             </a:r>
             <a:r>
               <a:rPr lang="en-US" sz="2000" dirty="0" smtClean="0">
                 <a:hlinkClick r:id="rId2"/>
               </a:rPr>
-              <a:t>https</a:t>
-            </a:r>
-            <a:r>
-              <a:rPr lang="en-US" sz="2000" dirty="0" smtClean="0">
-                <a:hlinkClick r:id="rId2"/>
-              </a:rPr>
-              <a:t>://www.terraform.io/intro/getting-started/install.html</a:t>
+              <a:t>https://www.terraform.io/intro/getting-started/install.html</a:t>
             </a:r>
             <a:endParaRPr lang="en-US" dirty="0" smtClean="0"/>
           </a:p>
@@ -6560,11 +6342,7 @@
           <a:p>
             <a:r>
               <a:rPr lang="en-US" dirty="0" smtClean="0"/>
-              <a:t>CLI has</a:t>
-            </a:r>
-            <a:r>
-              <a:rPr lang="en-US" dirty="0" smtClean="0"/>
-              <a:t> single application command called ‘</a:t>
+              <a:t>CLI has single application command called ‘</a:t>
             </a:r>
             <a:r>
               <a:rPr lang="en-US" b="1" dirty="0" smtClean="0"/>
@@ -6858,11 +6636,7 @@
           <a:p>
             <a:r>
               <a:rPr lang="en-US" dirty="0" smtClean="0"/>
-              <a:t>Terraform must store state about your managed infrastructure and configuration. This state is used by Terraform to map real world resources to your configuration, keep track of metadata, and to improve performance for large infrastructures</a:t>
-            </a:r>
-            <a:r>
-              <a:rPr lang="en-US" dirty="0" smtClean="0"/>
-              <a:t>.</a:t>
+              <a:t>Terraform must store state about your managed infrastructure and configuration. This state is used by Terraform to map real world resources to your configuration, keep track of metadata, and to improve performance for large infrastructures.</a:t>
             </a:r>
           </a:p>
           <a:p>
@@ -6879,15 +6653,7 @@
             </a:r>
             <a:r>
               <a:rPr lang="en-US" dirty="0" smtClean="0"/>
-              <a:t>", but it can also be stored </a:t>
-            </a:r>
-            <a:r>
-              <a:rPr lang="en-US" dirty="0" smtClean="0"/>
-              <a:t>remotely (like AWS S3), </a:t>
-            </a:r>
-            <a:r>
-              <a:rPr lang="en-US" dirty="0" smtClean="0"/>
-              <a:t>which works better in a team environment.</a:t>
+              <a:t>", but it can also be stored remotely (like AWS S3), which works better in a team environment.</a:t>
             </a:r>
           </a:p>
           <a:p>
